--- a/fig.pptx
+++ b/fig.pptx
@@ -7,6 +7,7 @@
   <p:sldIdLst>
     <p:sldId id="256" r:id="rId2"/>
     <p:sldId id="257" r:id="rId3"/>
+    <p:sldId id="258" r:id="rId4"/>
   </p:sldIdLst>
   <p:sldSz cx="12192000" cy="6858000"/>
   <p:notesSz cx="6858000" cy="9144000"/>
@@ -3334,6 +3335,188 @@
 </p:sld>
 </file>
 
+<file path=ppt/slides/slide3.xml><?xml version="1.0" encoding="utf-8"?>
+<p:sld xmlns:a="http://schemas.openxmlformats.org/drawingml/2006/main" xmlns:r="http://schemas.openxmlformats.org/officeDocument/2006/relationships" xmlns:p="http://schemas.openxmlformats.org/presentationml/2006/main">
+  <p:cSld>
+    <p:spTree>
+      <p:nvGrpSpPr>
+        <p:cNvPr id="1" name=""/>
+        <p:cNvGrpSpPr/>
+        <p:nvPr/>
+      </p:nvGrpSpPr>
+      <p:grpSpPr>
+        <a:xfrm>
+          <a:off x="0" y="0"/>
+          <a:ext cx="0" cy="0"/>
+          <a:chOff x="0" y="0"/>
+          <a:chExt cx="0" cy="0"/>
+        </a:xfrm>
+      </p:grpSpPr>
+      <p:grpSp>
+        <p:nvGrpSpPr>
+          <p:cNvPr id="20" name="Group 19"/>
+          <p:cNvGrpSpPr/>
+          <p:nvPr/>
+        </p:nvGrpSpPr>
+        <p:grpSpPr>
+          <a:xfrm>
+            <a:off x="1152978" y="51815"/>
+            <a:ext cx="9823450" cy="6558037"/>
+            <a:chOff x="1152978" y="51815"/>
+            <a:chExt cx="9823450" cy="6558037"/>
+          </a:xfrm>
+        </p:grpSpPr>
+        <p:pic>
+          <p:nvPicPr>
+            <p:cNvPr id="2" name="Picture 1"/>
+            <p:cNvPicPr>
+              <a:picLocks noChangeAspect="1"/>
+            </p:cNvPicPr>
+            <p:nvPr/>
+          </p:nvPicPr>
+          <p:blipFill>
+            <a:blip r:embed="rId2" cstate="print">
+              <a:extLst>
+                <a:ext uri="{28A0092B-C50C-407E-A947-70E740481C1C}">
+                  <a14:useLocalDpi xmlns:a14="http://schemas.microsoft.com/office/drawing/2010/main" val="0"/>
+                </a:ext>
+              </a:extLst>
+            </a:blip>
+            <a:stretch>
+              <a:fillRect/>
+            </a:stretch>
+          </p:blipFill>
+          <p:spPr>
+            <a:xfrm>
+              <a:off x="1152978" y="51815"/>
+              <a:ext cx="9823450" cy="6558037"/>
+            </a:xfrm>
+            <a:prstGeom prst="rect">
+              <a:avLst/>
+            </a:prstGeom>
+          </p:spPr>
+        </p:pic>
+        <p:pic>
+          <p:nvPicPr>
+            <p:cNvPr id="10" name="Picture 9"/>
+            <p:cNvPicPr>
+              <a:picLocks noChangeAspect="1"/>
+            </p:cNvPicPr>
+            <p:nvPr/>
+          </p:nvPicPr>
+          <p:blipFill>
+            <a:blip r:embed="rId3" cstate="print">
+              <a:extLst>
+                <a:ext uri="{28A0092B-C50C-407E-A947-70E740481C1C}">
+                  <a14:useLocalDpi xmlns:a14="http://schemas.microsoft.com/office/drawing/2010/main" val="0"/>
+                </a:ext>
+              </a:extLst>
+            </a:blip>
+            <a:stretch>
+              <a:fillRect/>
+            </a:stretch>
+          </p:blipFill>
+          <p:spPr>
+            <a:xfrm>
+              <a:off x="6226410" y="6140880"/>
+              <a:ext cx="702579" cy="468972"/>
+            </a:xfrm>
+            <a:prstGeom prst="rect">
+              <a:avLst/>
+            </a:prstGeom>
+          </p:spPr>
+        </p:pic>
+        <p:pic>
+          <p:nvPicPr>
+            <p:cNvPr id="11" name="Picture 10"/>
+            <p:cNvPicPr>
+              <a:picLocks noChangeAspect="1"/>
+            </p:cNvPicPr>
+            <p:nvPr/>
+          </p:nvPicPr>
+          <p:blipFill rotWithShape="1">
+            <a:blip r:embed="rId4" cstate="print">
+              <a:extLst>
+                <a:ext uri="{28A0092B-C50C-407E-A947-70E740481C1C}">
+                  <a14:useLocalDpi xmlns:a14="http://schemas.microsoft.com/office/drawing/2010/main" val="0"/>
+                </a:ext>
+              </a:extLst>
+            </a:blip>
+            <a:srcRect l="11472" r="11212"/>
+            <a:stretch/>
+          </p:blipFill>
+          <p:spPr>
+            <a:xfrm>
+              <a:off x="5278120" y="6140880"/>
+              <a:ext cx="696085" cy="468972"/>
+            </a:xfrm>
+            <a:prstGeom prst="rect">
+              <a:avLst/>
+            </a:prstGeom>
+          </p:spPr>
+        </p:pic>
+        <p:sp>
+          <p:nvSpPr>
+            <p:cNvPr id="5" name="Rectangle 4"/>
+            <p:cNvSpPr/>
+            <p:nvPr/>
+          </p:nvSpPr>
+          <p:spPr>
+            <a:xfrm>
+              <a:off x="1152978" y="51815"/>
+              <a:ext cx="9823450" cy="6558037"/>
+            </a:xfrm>
+            <a:prstGeom prst="rect">
+              <a:avLst/>
+            </a:prstGeom>
+            <a:solidFill>
+              <a:schemeClr val="tx1">
+                <a:alpha val="60000"/>
+              </a:schemeClr>
+            </a:solidFill>
+            <a:ln>
+              <a:noFill/>
+            </a:ln>
+          </p:spPr>
+          <p:style>
+            <a:lnRef idx="2">
+              <a:schemeClr val="accent1">
+                <a:shade val="50000"/>
+              </a:schemeClr>
+            </a:lnRef>
+            <a:fillRef idx="1">
+              <a:schemeClr val="accent1"/>
+            </a:fillRef>
+            <a:effectRef idx="0">
+              <a:schemeClr val="accent1"/>
+            </a:effectRef>
+            <a:fontRef idx="minor">
+              <a:schemeClr val="lt1"/>
+            </a:fontRef>
+          </p:style>
+          <p:txBody>
+            <a:bodyPr rtlCol="0" anchor="ctr"/>
+            <a:lstStyle/>
+            <a:p>
+              <a:pPr algn="ctr"/>
+              <a:endParaRPr lang="en-US"/>
+            </a:p>
+          </p:txBody>
+        </p:sp>
+      </p:grpSp>
+    </p:spTree>
+    <p:extLst>
+      <p:ext uri="{BB962C8B-B14F-4D97-AF65-F5344CB8AC3E}">
+        <p14:creationId xmlns:p14="http://schemas.microsoft.com/office/powerpoint/2010/main" val="3140558592"/>
+      </p:ext>
+    </p:extLst>
+  </p:cSld>
+  <p:clrMapOvr>
+    <a:masterClrMapping/>
+  </p:clrMapOvr>
+</p:sld>
+</file>
+
 <file path=ppt/theme/theme1.xml><?xml version="1.0" encoding="utf-8"?>
 <a:theme xmlns:a="http://schemas.openxmlformats.org/drawingml/2006/main" name="Office Theme">
   <a:themeElements>

--- a/fig.pptx
+++ b/fig.pptx
@@ -8,6 +8,7 @@
     <p:sldId id="256" r:id="rId2"/>
     <p:sldId id="257" r:id="rId3"/>
     <p:sldId id="258" r:id="rId4"/>
+    <p:sldId id="259" r:id="rId5"/>
   </p:sldIdLst>
   <p:sldSz cx="12192000" cy="6858000"/>
   <p:notesSz cx="6858000" cy="9144000"/>
@@ -3103,225 +3104,195 @@
         </p:blipFill>
         <p:spPr>
           <a:xfrm>
-            <a:off x="7649001" y="6088843"/>
-            <a:ext cx="1767869" cy="1726272"/>
+            <a:off x="673513" y="2426654"/>
+            <a:ext cx="859017" cy="838805"/>
           </a:xfrm>
           <a:prstGeom prst="rect">
             <a:avLst/>
           </a:prstGeom>
         </p:spPr>
       </p:pic>
-      <p:grpSp>
-        <p:nvGrpSpPr>
-          <p:cNvPr id="18" name="Group 17"/>
-          <p:cNvGrpSpPr/>
+      <p:pic>
+        <p:nvPicPr>
+          <p:cNvPr id="4" name="Picture 3"/>
+          <p:cNvPicPr>
+            <a:picLocks noChangeAspect="1"/>
+          </p:cNvPicPr>
           <p:nvPr/>
-        </p:nvGrpSpPr>
-        <p:grpSpPr>
+        </p:nvPicPr>
+        <p:blipFill rotWithShape="1">
+          <a:blip r:embed="rId4">
+            <a:extLst>
+              <a:ext uri="{28A0092B-C50C-407E-A947-70E740481C1C}">
+                <a14:useLocalDpi xmlns:a14="http://schemas.microsoft.com/office/drawing/2010/main" val="0"/>
+              </a:ext>
+            </a:extLst>
+          </a:blip>
+          <a:srcRect t="28779" r="55307" b="29241"/>
+          <a:stretch/>
+        </p:blipFill>
+        <p:spPr>
           <a:xfrm>
-            <a:off x="2667000" y="1973654"/>
-            <a:ext cx="6857999" cy="2879003"/>
-            <a:chOff x="2667000" y="1973654"/>
-            <a:chExt cx="6857999" cy="2879003"/>
+            <a:off x="3972560" y="1521533"/>
+            <a:ext cx="3065060" cy="2879003"/>
           </a:xfrm>
-        </p:grpSpPr>
-        <p:grpSp>
-          <p:nvGrpSpPr>
-            <p:cNvPr id="7" name="Group 6"/>
-            <p:cNvGrpSpPr/>
-            <p:nvPr/>
-          </p:nvGrpSpPr>
-          <p:grpSpPr>
-            <a:xfrm>
-              <a:off x="2667000" y="1973654"/>
-              <a:ext cx="6857999" cy="2879003"/>
-              <a:chOff x="2667000" y="1973654"/>
-              <a:chExt cx="6857999" cy="2879003"/>
-            </a:xfrm>
-          </p:grpSpPr>
-          <p:pic>
-            <p:nvPicPr>
-              <p:cNvPr id="4" name="Picture 3"/>
-              <p:cNvPicPr>
-                <a:picLocks noChangeAspect="1"/>
-              </p:cNvPicPr>
-              <p:nvPr/>
-            </p:nvPicPr>
-            <p:blipFill rotWithShape="1">
-              <a:blip r:embed="rId4">
-                <a:extLst>
-                  <a:ext uri="{28A0092B-C50C-407E-A947-70E740481C1C}">
-                    <a14:useLocalDpi xmlns:a14="http://schemas.microsoft.com/office/drawing/2010/main" val="0"/>
-                  </a:ext>
-                </a:extLst>
-              </a:blip>
-              <a:srcRect t="28779" r="55307" b="29241"/>
-              <a:stretch/>
-            </p:blipFill>
-            <p:spPr>
-              <a:xfrm>
-                <a:off x="2667000" y="1973654"/>
-                <a:ext cx="3065060" cy="2879003"/>
-              </a:xfrm>
-              <a:prstGeom prst="rect">
-                <a:avLst/>
-              </a:prstGeom>
-            </p:spPr>
-          </p:pic>
-          <p:pic>
-            <p:nvPicPr>
-              <p:cNvPr id="6" name="Picture 5"/>
-              <p:cNvPicPr>
-                <a:picLocks noChangeAspect="1"/>
-              </p:cNvPicPr>
-              <p:nvPr/>
-            </p:nvPicPr>
-            <p:blipFill rotWithShape="1">
-              <a:blip r:embed="rId4">
-                <a:extLst>
-                  <a:ext uri="{28A0092B-C50C-407E-A947-70E740481C1C}">
-                    <a14:useLocalDpi xmlns:a14="http://schemas.microsoft.com/office/drawing/2010/main" val="0"/>
-                  </a:ext>
-                </a:extLst>
-              </a:blip>
-              <a:srcRect l="45291" t="28779" r="5555" b="53831"/>
-              <a:stretch/>
-            </p:blipFill>
-            <p:spPr>
-              <a:xfrm>
-                <a:off x="5773003" y="1973654"/>
-                <a:ext cx="3751996" cy="1192627"/>
-              </a:xfrm>
-              <a:prstGeom prst="rect">
-                <a:avLst/>
-              </a:prstGeom>
-            </p:spPr>
-          </p:pic>
-          <p:sp>
-            <p:nvSpPr>
-              <p:cNvPr id="3" name="TextBox 2"/>
-              <p:cNvSpPr txBox="1"/>
-              <p:nvPr/>
-            </p:nvSpPr>
-            <p:spPr>
-              <a:xfrm>
-                <a:off x="5773003" y="3248169"/>
-                <a:ext cx="3751996" cy="1569660"/>
-              </a:xfrm>
-              <a:prstGeom prst="rect">
-                <a:avLst/>
-              </a:prstGeom>
-              <a:noFill/>
-            </p:spPr>
-            <p:txBody>
-              <a:bodyPr wrap="square" rtlCol="0">
-                <a:spAutoFit/>
-              </a:bodyPr>
-              <a:lstStyle/>
-              <a:p>
-                <a:r>
-                  <a:rPr lang="en-US" sz="2400" dirty="0" smtClean="0">
-                    <a:solidFill>
-                      <a:srgbClr val="FF0000"/>
-                    </a:solidFill>
-                    <a:latin typeface="Arial Black" panose="020B0A04020102020204" pitchFamily="34" charset="0"/>
-                  </a:rPr>
-                  <a:t>Me</a:t>
-                </a:r>
-                <a:r>
-                  <a:rPr lang="en-US" sz="2400" dirty="0" smtClean="0">
-                    <a:solidFill>
-                      <a:schemeClr val="bg1"/>
-                    </a:solidFill>
-                    <a:latin typeface="Arial Black" panose="020B0A04020102020204" pitchFamily="34" charset="0"/>
-                  </a:rPr>
-                  <a:t>chanical Systems with </a:t>
-                </a:r>
-                <a:r>
-                  <a:rPr lang="en-US" sz="2400" dirty="0" smtClean="0">
-                    <a:solidFill>
-                      <a:srgbClr val="FF0000"/>
-                    </a:solidFill>
-                    <a:latin typeface="Arial Black" panose="020B0A04020102020204" pitchFamily="34" charset="0"/>
-                  </a:rPr>
-                  <a:t>I</a:t>
-                </a:r>
-                <a:r>
-                  <a:rPr lang="en-US" sz="2400" dirty="0" smtClean="0">
-                    <a:solidFill>
-                      <a:schemeClr val="bg1"/>
-                    </a:solidFill>
-                    <a:latin typeface="Arial Black" panose="020B0A04020102020204" pitchFamily="34" charset="0"/>
-                  </a:rPr>
-                  <a:t>ntelligence and </a:t>
-                </a:r>
-                <a:r>
-                  <a:rPr lang="en-US" sz="2400" dirty="0" smtClean="0">
-                    <a:solidFill>
-                      <a:srgbClr val="FF0000"/>
-                    </a:solidFill>
-                    <a:latin typeface="Arial Black" panose="020B0A04020102020204" pitchFamily="34" charset="0"/>
-                  </a:rPr>
-                  <a:t>C</a:t>
-                </a:r>
-                <a:r>
-                  <a:rPr lang="en-US" sz="2400" dirty="0" smtClean="0">
-                    <a:solidFill>
-                      <a:schemeClr val="bg1"/>
-                    </a:solidFill>
-                    <a:latin typeface="Arial Black" panose="020B0A04020102020204" pitchFamily="34" charset="0"/>
-                  </a:rPr>
-                  <a:t>omputer Vision Laboratory</a:t>
-                </a:r>
-                <a:endParaRPr lang="en-US" sz="2400" dirty="0">
-                  <a:solidFill>
-                    <a:schemeClr val="bg1"/>
-                  </a:solidFill>
-                  <a:latin typeface="Arial Black" panose="020B0A04020102020204" pitchFamily="34" charset="0"/>
-                </a:endParaRPr>
-              </a:p>
-            </p:txBody>
-          </p:sp>
-        </p:grpSp>
-        <p:pic>
-          <p:nvPicPr>
-            <p:cNvPr id="17" name="Picture 16"/>
-            <p:cNvPicPr>
-              <a:picLocks noChangeAspect="1"/>
-            </p:cNvPicPr>
-            <p:nvPr/>
-          </p:nvPicPr>
-          <p:blipFill rotWithShape="1">
-            <a:blip r:embed="rId5">
-              <a:extLst>
-                <a:ext uri="{BEBA8EAE-BF5A-486C-A8C5-ECC9F3942E4B}">
-                  <a14:imgProps xmlns:a14="http://schemas.microsoft.com/office/drawing/2010/main">
-                    <a14:imgLayer r:embed="rId6">
-                      <a14:imgEffect>
-                        <a14:backgroundRemoval t="19444" b="55833" l="25556" r="74167"/>
-                      </a14:imgEffect>
-                    </a14:imgLayer>
-                  </a14:imgProps>
-                </a:ext>
-                <a:ext uri="{28A0092B-C50C-407E-A947-70E740481C1C}">
-                  <a14:useLocalDpi xmlns:a14="http://schemas.microsoft.com/office/drawing/2010/main" val="0"/>
-                </a:ext>
-              </a:extLst>
-            </a:blip>
-            <a:srcRect l="33837" t="20768" r="37471" b="58824"/>
-            <a:stretch/>
-          </p:blipFill>
-          <p:spPr>
-            <a:xfrm>
-              <a:off x="2857499" y="3569449"/>
-              <a:ext cx="1123951" cy="1079500"/>
-            </a:xfrm>
-            <a:prstGeom prst="rect">
-              <a:avLst/>
-            </a:prstGeom>
-          </p:spPr>
-        </p:pic>
-      </p:grpSp>
+          <a:prstGeom prst="rect">
+            <a:avLst/>
+          </a:prstGeom>
+        </p:spPr>
+      </p:pic>
+      <p:pic>
+        <p:nvPicPr>
+          <p:cNvPr id="6" name="Picture 5"/>
+          <p:cNvPicPr>
+            <a:picLocks noChangeAspect="1"/>
+          </p:cNvPicPr>
+          <p:nvPr/>
+        </p:nvPicPr>
+        <p:blipFill rotWithShape="1">
+          <a:blip r:embed="rId4">
+            <a:extLst>
+              <a:ext uri="{28A0092B-C50C-407E-A947-70E740481C1C}">
+                <a14:useLocalDpi xmlns:a14="http://schemas.microsoft.com/office/drawing/2010/main" val="0"/>
+              </a:ext>
+            </a:extLst>
+          </a:blip>
+          <a:srcRect l="45291" t="28779" r="5555" b="53831"/>
+          <a:stretch/>
+        </p:blipFill>
+        <p:spPr>
+          <a:xfrm>
+            <a:off x="7078563" y="1521533"/>
+            <a:ext cx="3630077" cy="1192627"/>
+          </a:xfrm>
+          <a:prstGeom prst="rect">
+            <a:avLst/>
+          </a:prstGeom>
+        </p:spPr>
+      </p:pic>
+      <p:sp>
+        <p:nvSpPr>
+          <p:cNvPr id="3" name="TextBox 2"/>
+          <p:cNvSpPr txBox="1"/>
+          <p:nvPr/>
+        </p:nvSpPr>
+        <p:spPr>
+          <a:xfrm>
+            <a:off x="7078563" y="2796048"/>
+            <a:ext cx="3751996" cy="1569660"/>
+          </a:xfrm>
+          <a:prstGeom prst="rect">
+            <a:avLst/>
+          </a:prstGeom>
+          <a:noFill/>
+        </p:spPr>
+        <p:txBody>
+          <a:bodyPr wrap="square" rtlCol="0">
+            <a:spAutoFit/>
+          </a:bodyPr>
+          <a:lstStyle/>
+          <a:p>
+            <a:r>
+              <a:rPr lang="en-US" sz="2400" dirty="0" smtClean="0">
+                <a:solidFill>
+                  <a:srgbClr val="FF0000"/>
+                </a:solidFill>
+                <a:latin typeface="Arial Black" panose="020B0A04020102020204" pitchFamily="34" charset="0"/>
+              </a:rPr>
+              <a:t>Me</a:t>
+            </a:r>
+            <a:r>
+              <a:rPr lang="en-US" sz="2400" dirty="0" smtClean="0">
+                <a:solidFill>
+                  <a:schemeClr val="bg1"/>
+                </a:solidFill>
+                <a:latin typeface="Arial Black" panose="020B0A04020102020204" pitchFamily="34" charset="0"/>
+              </a:rPr>
+              <a:t>chanical Systems with </a:t>
+            </a:r>
+            <a:r>
+              <a:rPr lang="en-US" sz="2400" dirty="0" smtClean="0">
+                <a:solidFill>
+                  <a:srgbClr val="FF0000"/>
+                </a:solidFill>
+                <a:latin typeface="Arial Black" panose="020B0A04020102020204" pitchFamily="34" charset="0"/>
+              </a:rPr>
+              <a:t>I</a:t>
+            </a:r>
+            <a:r>
+              <a:rPr lang="en-US" sz="2400" dirty="0" smtClean="0">
+                <a:solidFill>
+                  <a:schemeClr val="bg1"/>
+                </a:solidFill>
+                <a:latin typeface="Arial Black" panose="020B0A04020102020204" pitchFamily="34" charset="0"/>
+              </a:rPr>
+              <a:t>ntelligence and </a:t>
+            </a:r>
+            <a:r>
+              <a:rPr lang="en-US" sz="2400" dirty="0" smtClean="0">
+                <a:solidFill>
+                  <a:srgbClr val="FF0000"/>
+                </a:solidFill>
+                <a:latin typeface="Arial Black" panose="020B0A04020102020204" pitchFamily="34" charset="0"/>
+              </a:rPr>
+              <a:t>C</a:t>
+            </a:r>
+            <a:r>
+              <a:rPr lang="en-US" sz="2400" dirty="0" smtClean="0">
+                <a:solidFill>
+                  <a:schemeClr val="bg1"/>
+                </a:solidFill>
+                <a:latin typeface="Arial Black" panose="020B0A04020102020204" pitchFamily="34" charset="0"/>
+              </a:rPr>
+              <a:t>omputer Vision Laboratory</a:t>
+            </a:r>
+            <a:endParaRPr lang="en-US" sz="2400" dirty="0">
+              <a:solidFill>
+                <a:schemeClr val="bg1"/>
+              </a:solidFill>
+              <a:latin typeface="Arial Black" panose="020B0A04020102020204" pitchFamily="34" charset="0"/>
+            </a:endParaRPr>
+          </a:p>
+        </p:txBody>
+      </p:sp>
+      <p:pic>
+        <p:nvPicPr>
+          <p:cNvPr id="17" name="Picture 16"/>
+          <p:cNvPicPr>
+            <a:picLocks noChangeAspect="1"/>
+          </p:cNvPicPr>
+          <p:nvPr/>
+        </p:nvPicPr>
+        <p:blipFill rotWithShape="1">
+          <a:blip r:embed="rId5">
+            <a:extLst>
+              <a:ext uri="{BEBA8EAE-BF5A-486C-A8C5-ECC9F3942E4B}">
+                <a14:imgProps xmlns:a14="http://schemas.microsoft.com/office/drawing/2010/main">
+                  <a14:imgLayer r:embed="rId6">
+                    <a14:imgEffect>
+                      <a14:backgroundRemoval t="19444" b="55833" l="25556" r="74167"/>
+                    </a14:imgEffect>
+                  </a14:imgLayer>
+                </a14:imgProps>
+              </a:ext>
+              <a:ext uri="{28A0092B-C50C-407E-A947-70E740481C1C}">
+                <a14:useLocalDpi xmlns:a14="http://schemas.microsoft.com/office/drawing/2010/main" val="0"/>
+              </a:ext>
+            </a:extLst>
+          </a:blip>
+          <a:srcRect l="33837" t="20768" r="37471" b="58824"/>
+          <a:stretch/>
+        </p:blipFill>
+        <p:spPr>
+          <a:xfrm>
+            <a:off x="2679699" y="1562848"/>
+            <a:ext cx="1123951" cy="1079500"/>
+          </a:xfrm>
+          <a:prstGeom prst="rect">
+            <a:avLst/>
+          </a:prstGeom>
+        </p:spPr>
+      </p:pic>
     </p:spTree>
     <p:extLst>
       <p:ext uri="{BB962C8B-B14F-4D97-AF65-F5344CB8AC3E}">
@@ -3508,6 +3479,190 @@
     <p:extLst>
       <p:ext uri="{BB962C8B-B14F-4D97-AF65-F5344CB8AC3E}">
         <p14:creationId xmlns:p14="http://schemas.microsoft.com/office/powerpoint/2010/main" val="3140558592"/>
+      </p:ext>
+    </p:extLst>
+  </p:cSld>
+  <p:clrMapOvr>
+    <a:masterClrMapping/>
+  </p:clrMapOvr>
+</p:sld>
+</file>
+
+<file path=ppt/slides/slide4.xml><?xml version="1.0" encoding="utf-8"?>
+<p:sld xmlns:a="http://schemas.openxmlformats.org/drawingml/2006/main" xmlns:r="http://schemas.openxmlformats.org/officeDocument/2006/relationships" xmlns:p="http://schemas.openxmlformats.org/presentationml/2006/main">
+  <p:cSld>
+    <p:spTree>
+      <p:nvGrpSpPr>
+        <p:cNvPr id="1" name=""/>
+        <p:cNvGrpSpPr/>
+        <p:nvPr/>
+      </p:nvGrpSpPr>
+      <p:grpSpPr>
+        <a:xfrm>
+          <a:off x="0" y="0"/>
+          <a:ext cx="0" cy="0"/>
+          <a:chOff x="0" y="0"/>
+          <a:chExt cx="0" cy="0"/>
+        </a:xfrm>
+      </p:grpSpPr>
+      <p:grpSp>
+        <p:nvGrpSpPr>
+          <p:cNvPr id="20" name="Group 19"/>
+          <p:cNvGrpSpPr>
+            <a:grpSpLocks noChangeAspect="1"/>
+          </p:cNvGrpSpPr>
+          <p:nvPr/>
+        </p:nvGrpSpPr>
+        <p:grpSpPr>
+          <a:xfrm>
+            <a:off x="1152978" y="4216400"/>
+            <a:ext cx="3585212" cy="2393452"/>
+            <a:chOff x="1152978" y="51815"/>
+            <a:chExt cx="9823450" cy="6558037"/>
+          </a:xfrm>
+        </p:grpSpPr>
+        <p:pic>
+          <p:nvPicPr>
+            <p:cNvPr id="2" name="Picture 1"/>
+            <p:cNvPicPr>
+              <a:picLocks noChangeAspect="1"/>
+            </p:cNvPicPr>
+            <p:nvPr/>
+          </p:nvPicPr>
+          <p:blipFill>
+            <a:blip r:embed="rId2" cstate="print">
+              <a:extLst>
+                <a:ext uri="{28A0092B-C50C-407E-A947-70E740481C1C}">
+                  <a14:useLocalDpi xmlns:a14="http://schemas.microsoft.com/office/drawing/2010/main" val="0"/>
+                </a:ext>
+              </a:extLst>
+            </a:blip>
+            <a:stretch>
+              <a:fillRect/>
+            </a:stretch>
+          </p:blipFill>
+          <p:spPr>
+            <a:xfrm>
+              <a:off x="1152978" y="51815"/>
+              <a:ext cx="9823450" cy="6558037"/>
+            </a:xfrm>
+            <a:prstGeom prst="rect">
+              <a:avLst/>
+            </a:prstGeom>
+          </p:spPr>
+        </p:pic>
+        <p:pic>
+          <p:nvPicPr>
+            <p:cNvPr id="10" name="Picture 9"/>
+            <p:cNvPicPr>
+              <a:picLocks noChangeAspect="1"/>
+            </p:cNvPicPr>
+            <p:nvPr/>
+          </p:nvPicPr>
+          <p:blipFill>
+            <a:blip r:embed="rId3" cstate="print">
+              <a:extLst>
+                <a:ext uri="{28A0092B-C50C-407E-A947-70E740481C1C}">
+                  <a14:useLocalDpi xmlns:a14="http://schemas.microsoft.com/office/drawing/2010/main" val="0"/>
+                </a:ext>
+              </a:extLst>
+            </a:blip>
+            <a:stretch>
+              <a:fillRect/>
+            </a:stretch>
+          </p:blipFill>
+          <p:spPr>
+            <a:xfrm>
+              <a:off x="6226410" y="6140880"/>
+              <a:ext cx="702579" cy="468972"/>
+            </a:xfrm>
+            <a:prstGeom prst="rect">
+              <a:avLst/>
+            </a:prstGeom>
+          </p:spPr>
+        </p:pic>
+        <p:pic>
+          <p:nvPicPr>
+            <p:cNvPr id="11" name="Picture 10"/>
+            <p:cNvPicPr>
+              <a:picLocks noChangeAspect="1"/>
+            </p:cNvPicPr>
+            <p:nvPr/>
+          </p:nvPicPr>
+          <p:blipFill rotWithShape="1">
+            <a:blip r:embed="rId4" cstate="print">
+              <a:extLst>
+                <a:ext uri="{28A0092B-C50C-407E-A947-70E740481C1C}">
+                  <a14:useLocalDpi xmlns:a14="http://schemas.microsoft.com/office/drawing/2010/main" val="0"/>
+                </a:ext>
+              </a:extLst>
+            </a:blip>
+            <a:srcRect l="11472" r="11212"/>
+            <a:stretch/>
+          </p:blipFill>
+          <p:spPr>
+            <a:xfrm>
+              <a:off x="5278120" y="6140880"/>
+              <a:ext cx="696085" cy="468972"/>
+            </a:xfrm>
+            <a:prstGeom prst="rect">
+              <a:avLst/>
+            </a:prstGeom>
+          </p:spPr>
+        </p:pic>
+        <p:sp>
+          <p:nvSpPr>
+            <p:cNvPr id="5" name="Rectangle 4"/>
+            <p:cNvSpPr/>
+            <p:nvPr/>
+          </p:nvSpPr>
+          <p:spPr>
+            <a:xfrm>
+              <a:off x="1152978" y="51815"/>
+              <a:ext cx="9823450" cy="6558037"/>
+            </a:xfrm>
+            <a:prstGeom prst="rect">
+              <a:avLst/>
+            </a:prstGeom>
+            <a:solidFill>
+              <a:schemeClr val="tx1">
+                <a:alpha val="60000"/>
+              </a:schemeClr>
+            </a:solidFill>
+            <a:ln>
+              <a:noFill/>
+            </a:ln>
+          </p:spPr>
+          <p:style>
+            <a:lnRef idx="2">
+              <a:schemeClr val="accent1">
+                <a:shade val="50000"/>
+              </a:schemeClr>
+            </a:lnRef>
+            <a:fillRef idx="1">
+              <a:schemeClr val="accent1"/>
+            </a:fillRef>
+            <a:effectRef idx="0">
+              <a:schemeClr val="accent1"/>
+            </a:effectRef>
+            <a:fontRef idx="minor">
+              <a:schemeClr val="lt1"/>
+            </a:fontRef>
+          </p:style>
+          <p:txBody>
+            <a:bodyPr rtlCol="0" anchor="ctr"/>
+            <a:lstStyle/>
+            <a:p>
+              <a:pPr algn="ctr"/>
+              <a:endParaRPr lang="en-US"/>
+            </a:p>
+          </p:txBody>
+        </p:sp>
+      </p:grpSp>
+    </p:spTree>
+    <p:extLst>
+      <p:ext uri="{BB962C8B-B14F-4D97-AF65-F5344CB8AC3E}">
+        <p14:creationId xmlns:p14="http://schemas.microsoft.com/office/powerpoint/2010/main" val="229070011"/>
       </p:ext>
     </p:extLst>
   </p:cSld>

--- a/fig.pptx
+++ b/fig.pptx
@@ -107,6 +107,11 @@
       </a:defRPr>
     </a:lvl9pPr>
   </p:defaultTextStyle>
+  <p:extLst>
+    <p:ext uri="{EFAFB233-063F-42B5-8137-9DF3F51BA10A}">
+      <p15:sldGuideLst xmlns:p15="http://schemas.microsoft.com/office/powerpoint/2012/main"/>
+    </p:ext>
+  </p:extLst>
 </p:presentation>
 </file>
 
@@ -241,7 +246,7 @@
           <a:p>
             <a:fld id="{7C81BDA5-A78C-47EF-9138-7E490283A3C3}" type="datetimeFigureOut">
               <a:rPr lang="en-US" smtClean="0"/>
-              <a:t>3/17/2021</a:t>
+              <a:t>3/22/2021</a:t>
             </a:fld>
             <a:endParaRPr lang="en-US"/>
           </a:p>
@@ -411,7 +416,7 @@
           <a:p>
             <a:fld id="{7C81BDA5-A78C-47EF-9138-7E490283A3C3}" type="datetimeFigureOut">
               <a:rPr lang="en-US" smtClean="0"/>
-              <a:t>3/17/2021</a:t>
+              <a:t>3/22/2021</a:t>
             </a:fld>
             <a:endParaRPr lang="en-US"/>
           </a:p>
@@ -591,7 +596,7 @@
           <a:p>
             <a:fld id="{7C81BDA5-A78C-47EF-9138-7E490283A3C3}" type="datetimeFigureOut">
               <a:rPr lang="en-US" smtClean="0"/>
-              <a:t>3/17/2021</a:t>
+              <a:t>3/22/2021</a:t>
             </a:fld>
             <a:endParaRPr lang="en-US"/>
           </a:p>
@@ -761,7 +766,7 @@
           <a:p>
             <a:fld id="{7C81BDA5-A78C-47EF-9138-7E490283A3C3}" type="datetimeFigureOut">
               <a:rPr lang="en-US" smtClean="0"/>
-              <a:t>3/17/2021</a:t>
+              <a:t>3/22/2021</a:t>
             </a:fld>
             <a:endParaRPr lang="en-US"/>
           </a:p>
@@ -1007,7 +1012,7 @@
           <a:p>
             <a:fld id="{7C81BDA5-A78C-47EF-9138-7E490283A3C3}" type="datetimeFigureOut">
               <a:rPr lang="en-US" smtClean="0"/>
-              <a:t>3/17/2021</a:t>
+              <a:t>3/22/2021</a:t>
             </a:fld>
             <a:endParaRPr lang="en-US"/>
           </a:p>
@@ -1239,7 +1244,7 @@
           <a:p>
             <a:fld id="{7C81BDA5-A78C-47EF-9138-7E490283A3C3}" type="datetimeFigureOut">
               <a:rPr lang="en-US" smtClean="0"/>
-              <a:t>3/17/2021</a:t>
+              <a:t>3/22/2021</a:t>
             </a:fld>
             <a:endParaRPr lang="en-US"/>
           </a:p>
@@ -1606,7 +1611,7 @@
           <a:p>
             <a:fld id="{7C81BDA5-A78C-47EF-9138-7E490283A3C3}" type="datetimeFigureOut">
               <a:rPr lang="en-US" smtClean="0"/>
-              <a:t>3/17/2021</a:t>
+              <a:t>3/22/2021</a:t>
             </a:fld>
             <a:endParaRPr lang="en-US"/>
           </a:p>
@@ -1724,7 +1729,7 @@
           <a:p>
             <a:fld id="{7C81BDA5-A78C-47EF-9138-7E490283A3C3}" type="datetimeFigureOut">
               <a:rPr lang="en-US" smtClean="0"/>
-              <a:t>3/17/2021</a:t>
+              <a:t>3/22/2021</a:t>
             </a:fld>
             <a:endParaRPr lang="en-US"/>
           </a:p>
@@ -1819,7 +1824,7 @@
           <a:p>
             <a:fld id="{7C81BDA5-A78C-47EF-9138-7E490283A3C3}" type="datetimeFigureOut">
               <a:rPr lang="en-US" smtClean="0"/>
-              <a:t>3/17/2021</a:t>
+              <a:t>3/22/2021</a:t>
             </a:fld>
             <a:endParaRPr lang="en-US"/>
           </a:p>
@@ -2096,7 +2101,7 @@
           <a:p>
             <a:fld id="{7C81BDA5-A78C-47EF-9138-7E490283A3C3}" type="datetimeFigureOut">
               <a:rPr lang="en-US" smtClean="0"/>
-              <a:t>3/17/2021</a:t>
+              <a:t>3/22/2021</a:t>
             </a:fld>
             <a:endParaRPr lang="en-US"/>
           </a:p>
@@ -2349,7 +2354,7 @@
           <a:p>
             <a:fld id="{7C81BDA5-A78C-47EF-9138-7E490283A3C3}" type="datetimeFigureOut">
               <a:rPr lang="en-US" smtClean="0"/>
-              <a:t>3/17/2021</a:t>
+              <a:t>3/22/2021</a:t>
             </a:fld>
             <a:endParaRPr lang="en-US"/>
           </a:p>
@@ -2562,7 +2567,7 @@
           <a:p>
             <a:fld id="{7C81BDA5-A78C-47EF-9138-7E490283A3C3}" type="datetimeFigureOut">
               <a:rPr lang="en-US" smtClean="0"/>
-              <a:t>3/17/2021</a:t>
+              <a:t>3/22/2021</a:t>
             </a:fld>
             <a:endParaRPr lang="en-US"/>
           </a:p>
@@ -3074,225 +3079,164 @@
           <a:chExt cx="0" cy="0"/>
         </a:xfrm>
       </p:grpSpPr>
-      <p:pic>
-        <p:nvPicPr>
-          <p:cNvPr id="14" name="Picture 13"/>
-          <p:cNvPicPr>
-            <a:picLocks noChangeAspect="1"/>
-          </p:cNvPicPr>
+      <p:grpSp>
+        <p:nvGrpSpPr>
+          <p:cNvPr id="2" name="Group 1"/>
+          <p:cNvGrpSpPr/>
           <p:nvPr/>
-        </p:nvPicPr>
-        <p:blipFill rotWithShape="1">
-          <a:blip r:embed="rId2" cstate="print">
-            <a:extLst>
-              <a:ext uri="{BEBA8EAE-BF5A-486C-A8C5-ECC9F3942E4B}">
-                <a14:imgProps xmlns:a14="http://schemas.microsoft.com/office/drawing/2010/main">
-                  <a14:imgLayer r:embed="rId3">
-                    <a14:imgEffect>
-                      <a14:backgroundRemoval t="10000" b="90000" l="10000" r="90000"/>
-                    </a14:imgEffect>
-                  </a14:imgLayer>
-                </a14:imgProps>
-              </a:ext>
-              <a:ext uri="{28A0092B-C50C-407E-A947-70E740481C1C}">
-                <a14:useLocalDpi xmlns:a14="http://schemas.microsoft.com/office/drawing/2010/main" val="0"/>
-              </a:ext>
-            </a:extLst>
-          </a:blip>
-          <a:srcRect l="19151" t="9452" r="12103" b="18523"/>
-          <a:stretch/>
-        </p:blipFill>
-        <p:spPr>
+        </p:nvGrpSpPr>
+        <p:grpSpPr>
           <a:xfrm>
-            <a:off x="673513" y="2426654"/>
-            <a:ext cx="859017" cy="838805"/>
+            <a:off x="3977147" y="1521533"/>
+            <a:ext cx="6243814" cy="2474844"/>
+            <a:chOff x="3977147" y="1521533"/>
+            <a:chExt cx="6243814" cy="2474844"/>
           </a:xfrm>
-          <a:prstGeom prst="rect">
-            <a:avLst/>
-          </a:prstGeom>
-        </p:spPr>
-      </p:pic>
-      <p:pic>
-        <p:nvPicPr>
-          <p:cNvPr id="4" name="Picture 3"/>
-          <p:cNvPicPr>
-            <a:picLocks noChangeAspect="1"/>
-          </p:cNvPicPr>
-          <p:nvPr/>
-        </p:nvPicPr>
-        <p:blipFill rotWithShape="1">
-          <a:blip r:embed="rId4">
-            <a:extLst>
-              <a:ext uri="{28A0092B-C50C-407E-A947-70E740481C1C}">
-                <a14:useLocalDpi xmlns:a14="http://schemas.microsoft.com/office/drawing/2010/main" val="0"/>
-              </a:ext>
-            </a:extLst>
-          </a:blip>
-          <a:srcRect t="28779" r="55307" b="29241"/>
-          <a:stretch/>
-        </p:blipFill>
-        <p:spPr>
-          <a:xfrm>
-            <a:off x="3972560" y="1521533"/>
-            <a:ext cx="3065060" cy="2879003"/>
-          </a:xfrm>
-          <a:prstGeom prst="rect">
-            <a:avLst/>
-          </a:prstGeom>
-        </p:spPr>
-      </p:pic>
-      <p:pic>
-        <p:nvPicPr>
-          <p:cNvPr id="6" name="Picture 5"/>
-          <p:cNvPicPr>
-            <a:picLocks noChangeAspect="1"/>
-          </p:cNvPicPr>
-          <p:nvPr/>
-        </p:nvPicPr>
-        <p:blipFill rotWithShape="1">
-          <a:blip r:embed="rId4">
-            <a:extLst>
-              <a:ext uri="{28A0092B-C50C-407E-A947-70E740481C1C}">
-                <a14:useLocalDpi xmlns:a14="http://schemas.microsoft.com/office/drawing/2010/main" val="0"/>
-              </a:ext>
-            </a:extLst>
-          </a:blip>
-          <a:srcRect l="45291" t="28779" r="5555" b="53831"/>
-          <a:stretch/>
-        </p:blipFill>
-        <p:spPr>
-          <a:xfrm>
-            <a:off x="7078563" y="1521533"/>
-            <a:ext cx="3630077" cy="1192627"/>
-          </a:xfrm>
-          <a:prstGeom prst="rect">
-            <a:avLst/>
-          </a:prstGeom>
-        </p:spPr>
-      </p:pic>
-      <p:sp>
-        <p:nvSpPr>
-          <p:cNvPr id="3" name="TextBox 2"/>
-          <p:cNvSpPr txBox="1"/>
-          <p:nvPr/>
-        </p:nvSpPr>
-        <p:spPr>
-          <a:xfrm>
-            <a:off x="7078563" y="2796048"/>
-            <a:ext cx="3751996" cy="1569660"/>
-          </a:xfrm>
-          <a:prstGeom prst="rect">
-            <a:avLst/>
-          </a:prstGeom>
-          <a:noFill/>
-        </p:spPr>
-        <p:txBody>
-          <a:bodyPr wrap="square" rtlCol="0">
-            <a:spAutoFit/>
-          </a:bodyPr>
-          <a:lstStyle/>
-          <a:p>
-            <a:r>
-              <a:rPr lang="en-US" sz="2400" dirty="0" smtClean="0">
-                <a:solidFill>
-                  <a:srgbClr val="FF0000"/>
-                </a:solidFill>
-                <a:latin typeface="Arial Black" panose="020B0A04020102020204" pitchFamily="34" charset="0"/>
-              </a:rPr>
-              <a:t>Me</a:t>
-            </a:r>
-            <a:r>
-              <a:rPr lang="en-US" sz="2400" dirty="0" smtClean="0">
+        </p:grpSpPr>
+        <p:pic>
+          <p:nvPicPr>
+            <p:cNvPr id="4" name="Picture 3"/>
+            <p:cNvPicPr>
+              <a:picLocks noChangeAspect="1"/>
+            </p:cNvPicPr>
+            <p:nvPr/>
+          </p:nvPicPr>
+          <p:blipFill rotWithShape="1">
+            <a:blip r:embed="rId2">
+              <a:extLst>
+                <a:ext uri="{28A0092B-C50C-407E-A947-70E740481C1C}">
+                  <a14:useLocalDpi xmlns:a14="http://schemas.microsoft.com/office/drawing/2010/main" val="0"/>
+                </a:ext>
+              </a:extLst>
+            </a:blip>
+            <a:srcRect t="28779" r="55307" b="29241"/>
+            <a:stretch/>
+          </p:blipFill>
+          <p:spPr>
+            <a:xfrm>
+              <a:off x="3977147" y="1525843"/>
+              <a:ext cx="2630129" cy="2470473"/>
+            </a:xfrm>
+            <a:prstGeom prst="rect">
+              <a:avLst/>
+            </a:prstGeom>
+          </p:spPr>
+        </p:pic>
+        <p:pic>
+          <p:nvPicPr>
+            <p:cNvPr id="6" name="Picture 5"/>
+            <p:cNvPicPr>
+              <a:picLocks noChangeAspect="1"/>
+            </p:cNvPicPr>
+            <p:nvPr/>
+          </p:nvPicPr>
+          <p:blipFill rotWithShape="1">
+            <a:blip r:embed="rId2">
+              <a:extLst>
+                <a:ext uri="{28A0092B-C50C-407E-A947-70E740481C1C}">
+                  <a14:useLocalDpi xmlns:a14="http://schemas.microsoft.com/office/drawing/2010/main" val="0"/>
+                </a:ext>
+              </a:extLst>
+            </a:blip>
+            <a:srcRect l="45291" t="28779" r="5555" b="53831"/>
+            <a:stretch/>
+          </p:blipFill>
+          <p:spPr>
+            <a:xfrm>
+              <a:off x="6468965" y="1521533"/>
+              <a:ext cx="3630077" cy="1192627"/>
+            </a:xfrm>
+            <a:prstGeom prst="rect">
+              <a:avLst/>
+            </a:prstGeom>
+          </p:spPr>
+        </p:pic>
+        <p:sp>
+          <p:nvSpPr>
+            <p:cNvPr id="3" name="TextBox 2"/>
+            <p:cNvSpPr txBox="1"/>
+            <p:nvPr/>
+          </p:nvSpPr>
+          <p:spPr>
+            <a:xfrm>
+              <a:off x="6468965" y="2796048"/>
+              <a:ext cx="3751996" cy="1200329"/>
+            </a:xfrm>
+            <a:prstGeom prst="rect">
+              <a:avLst/>
+            </a:prstGeom>
+            <a:noFill/>
+          </p:spPr>
+          <p:txBody>
+            <a:bodyPr wrap="square" rtlCol="0">
+              <a:spAutoFit/>
+            </a:bodyPr>
+            <a:lstStyle/>
+            <a:p>
+              <a:r>
+                <a:rPr lang="en-US" sz="2400" dirty="0" smtClean="0">
+                  <a:solidFill>
+                    <a:srgbClr val="FF0000"/>
+                  </a:solidFill>
+                  <a:latin typeface="Arial Black" panose="020B0A04020102020204" pitchFamily="34" charset="0"/>
+                </a:rPr>
+                <a:t>Me</a:t>
+              </a:r>
+              <a:r>
+                <a:rPr lang="en-US" sz="2400" dirty="0" smtClean="0">
+                  <a:solidFill>
+                    <a:schemeClr val="bg1"/>
+                  </a:solidFill>
+                  <a:latin typeface="Arial Black" panose="020B0A04020102020204" pitchFamily="34" charset="0"/>
+                </a:rPr>
+                <a:t>chanical Systems with </a:t>
+              </a:r>
+              <a:r>
+                <a:rPr lang="en-US" sz="2400" dirty="0" smtClean="0">
+                  <a:solidFill>
+                    <a:srgbClr val="FF0000"/>
+                  </a:solidFill>
+                  <a:latin typeface="Arial Black" panose="020B0A04020102020204" pitchFamily="34" charset="0"/>
+                </a:rPr>
+                <a:t>I</a:t>
+              </a:r>
+              <a:r>
+                <a:rPr lang="en-US" sz="2400" dirty="0" smtClean="0">
+                  <a:solidFill>
+                    <a:schemeClr val="bg1"/>
+                  </a:solidFill>
+                  <a:latin typeface="Arial Black" panose="020B0A04020102020204" pitchFamily="34" charset="0"/>
+                </a:rPr>
+                <a:t>ntelligence and </a:t>
+              </a:r>
+              <a:r>
+                <a:rPr lang="en-US" sz="2400" dirty="0" smtClean="0">
+                  <a:solidFill>
+                    <a:srgbClr val="FF0000"/>
+                  </a:solidFill>
+                  <a:latin typeface="Arial Black" panose="020B0A04020102020204" pitchFamily="34" charset="0"/>
+                </a:rPr>
+                <a:t>C</a:t>
+              </a:r>
+              <a:r>
+                <a:rPr lang="en-US" sz="2400" dirty="0" smtClean="0">
+                  <a:solidFill>
+                    <a:schemeClr val="bg1"/>
+                  </a:solidFill>
+                  <a:latin typeface="Arial Black" panose="020B0A04020102020204" pitchFamily="34" charset="0"/>
+                </a:rPr>
+                <a:t>omputer Vision Lab</a:t>
+              </a:r>
+              <a:endParaRPr lang="en-US" sz="2400" dirty="0">
                 <a:solidFill>
                   <a:schemeClr val="bg1"/>
                 </a:solidFill>
                 <a:latin typeface="Arial Black" panose="020B0A04020102020204" pitchFamily="34" charset="0"/>
-              </a:rPr>
-              <a:t>chanical Systems with </a:t>
-            </a:r>
-            <a:r>
-              <a:rPr lang="en-US" sz="2400" dirty="0" smtClean="0">
-                <a:solidFill>
-                  <a:srgbClr val="FF0000"/>
-                </a:solidFill>
-                <a:latin typeface="Arial Black" panose="020B0A04020102020204" pitchFamily="34" charset="0"/>
-              </a:rPr>
-              <a:t>I</a:t>
-            </a:r>
-            <a:r>
-              <a:rPr lang="en-US" sz="2400" dirty="0" smtClean="0">
-                <a:solidFill>
-                  <a:schemeClr val="bg1"/>
-                </a:solidFill>
-                <a:latin typeface="Arial Black" panose="020B0A04020102020204" pitchFamily="34" charset="0"/>
-              </a:rPr>
-              <a:t>ntelligence and </a:t>
-            </a:r>
-            <a:r>
-              <a:rPr lang="en-US" sz="2400" dirty="0" smtClean="0">
-                <a:solidFill>
-                  <a:srgbClr val="FF0000"/>
-                </a:solidFill>
-                <a:latin typeface="Arial Black" panose="020B0A04020102020204" pitchFamily="34" charset="0"/>
-              </a:rPr>
-              <a:t>C</a:t>
-            </a:r>
-            <a:r>
-              <a:rPr lang="en-US" sz="2400" dirty="0" smtClean="0">
-                <a:solidFill>
-                  <a:schemeClr val="bg1"/>
-                </a:solidFill>
-                <a:latin typeface="Arial Black" panose="020B0A04020102020204" pitchFamily="34" charset="0"/>
-              </a:rPr>
-              <a:t>omputer Vision Laboratory</a:t>
-            </a:r>
-            <a:endParaRPr lang="en-US" sz="2400" dirty="0">
-              <a:solidFill>
-                <a:schemeClr val="bg1"/>
-              </a:solidFill>
-              <a:latin typeface="Arial Black" panose="020B0A04020102020204" pitchFamily="34" charset="0"/>
-            </a:endParaRPr>
-          </a:p>
-        </p:txBody>
-      </p:sp>
-      <p:pic>
-        <p:nvPicPr>
-          <p:cNvPr id="17" name="Picture 16"/>
-          <p:cNvPicPr>
-            <a:picLocks noChangeAspect="1"/>
-          </p:cNvPicPr>
-          <p:nvPr/>
-        </p:nvPicPr>
-        <p:blipFill rotWithShape="1">
-          <a:blip r:embed="rId5">
-            <a:extLst>
-              <a:ext uri="{BEBA8EAE-BF5A-486C-A8C5-ECC9F3942E4B}">
-                <a14:imgProps xmlns:a14="http://schemas.microsoft.com/office/drawing/2010/main">
-                  <a14:imgLayer r:embed="rId6">
-                    <a14:imgEffect>
-                      <a14:backgroundRemoval t="19444" b="55833" l="25556" r="74167"/>
-                    </a14:imgEffect>
-                  </a14:imgLayer>
-                </a14:imgProps>
-              </a:ext>
-              <a:ext uri="{28A0092B-C50C-407E-A947-70E740481C1C}">
-                <a14:useLocalDpi xmlns:a14="http://schemas.microsoft.com/office/drawing/2010/main" val="0"/>
-              </a:ext>
-            </a:extLst>
-          </a:blip>
-          <a:srcRect l="33837" t="20768" r="37471" b="58824"/>
-          <a:stretch/>
-        </p:blipFill>
-        <p:spPr>
-          <a:xfrm>
-            <a:off x="2679699" y="1562848"/>
-            <a:ext cx="1123951" cy="1079500"/>
-          </a:xfrm>
-          <a:prstGeom prst="rect">
-            <a:avLst/>
-          </a:prstGeom>
-        </p:spPr>
-      </p:pic>
+              </a:endParaRPr>
+            </a:p>
+          </p:txBody>
+        </p:sp>
+      </p:grpSp>
     </p:spTree>
     <p:extLst>
       <p:ext uri="{BB962C8B-B14F-4D97-AF65-F5344CB8AC3E}">

--- a/fig.pptx
+++ b/fig.pptx
@@ -246,7 +246,7 @@
           <a:p>
             <a:fld id="{7C81BDA5-A78C-47EF-9138-7E490283A3C3}" type="datetimeFigureOut">
               <a:rPr lang="en-US" smtClean="0"/>
-              <a:t>3/22/2021</a:t>
+              <a:t>3/25/2021</a:t>
             </a:fld>
             <a:endParaRPr lang="en-US"/>
           </a:p>
@@ -416,7 +416,7 @@
           <a:p>
             <a:fld id="{7C81BDA5-A78C-47EF-9138-7E490283A3C3}" type="datetimeFigureOut">
               <a:rPr lang="en-US" smtClean="0"/>
-              <a:t>3/22/2021</a:t>
+              <a:t>3/25/2021</a:t>
             </a:fld>
             <a:endParaRPr lang="en-US"/>
           </a:p>
@@ -596,7 +596,7 @@
           <a:p>
             <a:fld id="{7C81BDA5-A78C-47EF-9138-7E490283A3C3}" type="datetimeFigureOut">
               <a:rPr lang="en-US" smtClean="0"/>
-              <a:t>3/22/2021</a:t>
+              <a:t>3/25/2021</a:t>
             </a:fld>
             <a:endParaRPr lang="en-US"/>
           </a:p>
@@ -766,7 +766,7 @@
           <a:p>
             <a:fld id="{7C81BDA5-A78C-47EF-9138-7E490283A3C3}" type="datetimeFigureOut">
               <a:rPr lang="en-US" smtClean="0"/>
-              <a:t>3/22/2021</a:t>
+              <a:t>3/25/2021</a:t>
             </a:fld>
             <a:endParaRPr lang="en-US"/>
           </a:p>
@@ -1012,7 +1012,7 @@
           <a:p>
             <a:fld id="{7C81BDA5-A78C-47EF-9138-7E490283A3C3}" type="datetimeFigureOut">
               <a:rPr lang="en-US" smtClean="0"/>
-              <a:t>3/22/2021</a:t>
+              <a:t>3/25/2021</a:t>
             </a:fld>
             <a:endParaRPr lang="en-US"/>
           </a:p>
@@ -1244,7 +1244,7 @@
           <a:p>
             <a:fld id="{7C81BDA5-A78C-47EF-9138-7E490283A3C3}" type="datetimeFigureOut">
               <a:rPr lang="en-US" smtClean="0"/>
-              <a:t>3/22/2021</a:t>
+              <a:t>3/25/2021</a:t>
             </a:fld>
             <a:endParaRPr lang="en-US"/>
           </a:p>
@@ -1611,7 +1611,7 @@
           <a:p>
             <a:fld id="{7C81BDA5-A78C-47EF-9138-7E490283A3C3}" type="datetimeFigureOut">
               <a:rPr lang="en-US" smtClean="0"/>
-              <a:t>3/22/2021</a:t>
+              <a:t>3/25/2021</a:t>
             </a:fld>
             <a:endParaRPr lang="en-US"/>
           </a:p>
@@ -1729,7 +1729,7 @@
           <a:p>
             <a:fld id="{7C81BDA5-A78C-47EF-9138-7E490283A3C3}" type="datetimeFigureOut">
               <a:rPr lang="en-US" smtClean="0"/>
-              <a:t>3/22/2021</a:t>
+              <a:t>3/25/2021</a:t>
             </a:fld>
             <a:endParaRPr lang="en-US"/>
           </a:p>
@@ -1824,7 +1824,7 @@
           <a:p>
             <a:fld id="{7C81BDA5-A78C-47EF-9138-7E490283A3C3}" type="datetimeFigureOut">
               <a:rPr lang="en-US" smtClean="0"/>
-              <a:t>3/22/2021</a:t>
+              <a:t>3/25/2021</a:t>
             </a:fld>
             <a:endParaRPr lang="en-US"/>
           </a:p>
@@ -2101,7 +2101,7 @@
           <a:p>
             <a:fld id="{7C81BDA5-A78C-47EF-9138-7E490283A3C3}" type="datetimeFigureOut">
               <a:rPr lang="en-US" smtClean="0"/>
-              <a:t>3/22/2021</a:t>
+              <a:t>3/25/2021</a:t>
             </a:fld>
             <a:endParaRPr lang="en-US"/>
           </a:p>
@@ -2354,7 +2354,7 @@
           <a:p>
             <a:fld id="{7C81BDA5-A78C-47EF-9138-7E490283A3C3}" type="datetimeFigureOut">
               <a:rPr lang="en-US" smtClean="0"/>
-              <a:t>3/22/2021</a:t>
+              <a:t>3/25/2021</a:t>
             </a:fld>
             <a:endParaRPr lang="en-US"/>
           </a:p>
@@ -2567,7 +2567,7 @@
           <a:p>
             <a:fld id="{7C81BDA5-A78C-47EF-9138-7E490283A3C3}" type="datetimeFigureOut">
               <a:rPr lang="en-US" smtClean="0"/>
-              <a:t>3/22/2021</a:t>
+              <a:t>3/25/2021</a:t>
             </a:fld>
             <a:endParaRPr lang="en-US"/>
           </a:p>
@@ -3079,164 +3079,192 @@
           <a:chExt cx="0" cy="0"/>
         </a:xfrm>
       </p:grpSpPr>
-      <p:grpSp>
-        <p:nvGrpSpPr>
-          <p:cNvPr id="2" name="Group 1"/>
-          <p:cNvGrpSpPr/>
+      <p:pic>
+        <p:nvPicPr>
+          <p:cNvPr id="4" name="Picture 3"/>
+          <p:cNvPicPr>
+            <a:picLocks noChangeAspect="1"/>
+          </p:cNvPicPr>
           <p:nvPr/>
-        </p:nvGrpSpPr>
-        <p:grpSpPr>
+        </p:nvPicPr>
+        <p:blipFill rotWithShape="1">
+          <a:blip r:embed="rId2">
+            <a:extLst>
+              <a:ext uri="{28A0092B-C50C-407E-A947-70E740481C1C}">
+                <a14:useLocalDpi xmlns:a14="http://schemas.microsoft.com/office/drawing/2010/main" val="0"/>
+              </a:ext>
+            </a:extLst>
+          </a:blip>
+          <a:srcRect t="28779" r="55307" b="29241"/>
+          <a:stretch/>
+        </p:blipFill>
+        <p:spPr>
           <a:xfrm>
-            <a:off x="3977147" y="1521533"/>
-            <a:ext cx="6243814" cy="2474844"/>
-            <a:chOff x="3977147" y="1521533"/>
-            <a:chExt cx="6243814" cy="2474844"/>
+            <a:off x="3736227" y="699050"/>
+            <a:ext cx="2630129" cy="2470473"/>
           </a:xfrm>
-        </p:grpSpPr>
-        <p:pic>
-          <p:nvPicPr>
-            <p:cNvPr id="4" name="Picture 3"/>
-            <p:cNvPicPr>
-              <a:picLocks noChangeAspect="1"/>
-            </p:cNvPicPr>
-            <p:nvPr/>
-          </p:nvPicPr>
-          <p:blipFill rotWithShape="1">
-            <a:blip r:embed="rId2">
-              <a:extLst>
-                <a:ext uri="{28A0092B-C50C-407E-A947-70E740481C1C}">
-                  <a14:useLocalDpi xmlns:a14="http://schemas.microsoft.com/office/drawing/2010/main" val="0"/>
-                </a:ext>
-              </a:extLst>
-            </a:blip>
-            <a:srcRect t="28779" r="55307" b="29241"/>
-            <a:stretch/>
-          </p:blipFill>
-          <p:spPr>
-            <a:xfrm>
-              <a:off x="3977147" y="1525843"/>
-              <a:ext cx="2630129" cy="2470473"/>
-            </a:xfrm>
-            <a:prstGeom prst="rect">
-              <a:avLst/>
-            </a:prstGeom>
-          </p:spPr>
-        </p:pic>
-        <p:pic>
-          <p:nvPicPr>
-            <p:cNvPr id="6" name="Picture 5"/>
-            <p:cNvPicPr>
-              <a:picLocks noChangeAspect="1"/>
-            </p:cNvPicPr>
-            <p:nvPr/>
-          </p:nvPicPr>
-          <p:blipFill rotWithShape="1">
-            <a:blip r:embed="rId2">
-              <a:extLst>
-                <a:ext uri="{28A0092B-C50C-407E-A947-70E740481C1C}">
-                  <a14:useLocalDpi xmlns:a14="http://schemas.microsoft.com/office/drawing/2010/main" val="0"/>
-                </a:ext>
-              </a:extLst>
-            </a:blip>
-            <a:srcRect l="45291" t="28779" r="5555" b="53831"/>
-            <a:stretch/>
-          </p:blipFill>
-          <p:spPr>
-            <a:xfrm>
-              <a:off x="6468965" y="1521533"/>
-              <a:ext cx="3630077" cy="1192627"/>
-            </a:xfrm>
-            <a:prstGeom prst="rect">
-              <a:avLst/>
-            </a:prstGeom>
-          </p:spPr>
-        </p:pic>
-        <p:sp>
-          <p:nvSpPr>
-            <p:cNvPr id="3" name="TextBox 2"/>
-            <p:cNvSpPr txBox="1"/>
-            <p:nvPr/>
-          </p:nvSpPr>
-          <p:spPr>
-            <a:xfrm>
-              <a:off x="6468965" y="2796048"/>
-              <a:ext cx="3751996" cy="1200329"/>
-            </a:xfrm>
-            <a:prstGeom prst="rect">
-              <a:avLst/>
-            </a:prstGeom>
-            <a:noFill/>
-          </p:spPr>
-          <p:txBody>
-            <a:bodyPr wrap="square" rtlCol="0">
-              <a:spAutoFit/>
-            </a:bodyPr>
-            <a:lstStyle/>
-            <a:p>
-              <a:r>
-                <a:rPr lang="en-US" sz="2400" dirty="0" smtClean="0">
-                  <a:solidFill>
-                    <a:srgbClr val="FF0000"/>
-                  </a:solidFill>
-                  <a:latin typeface="Arial Black" panose="020B0A04020102020204" pitchFamily="34" charset="0"/>
-                </a:rPr>
-                <a:t>Me</a:t>
-              </a:r>
-              <a:r>
-                <a:rPr lang="en-US" sz="2400" dirty="0" smtClean="0">
-                  <a:solidFill>
-                    <a:schemeClr val="bg1"/>
-                  </a:solidFill>
-                  <a:latin typeface="Arial Black" panose="020B0A04020102020204" pitchFamily="34" charset="0"/>
-                </a:rPr>
-                <a:t>chanical Systems with </a:t>
-              </a:r>
-              <a:r>
-                <a:rPr lang="en-US" sz="2400" dirty="0" smtClean="0">
-                  <a:solidFill>
-                    <a:srgbClr val="FF0000"/>
-                  </a:solidFill>
-                  <a:latin typeface="Arial Black" panose="020B0A04020102020204" pitchFamily="34" charset="0"/>
-                </a:rPr>
-                <a:t>I</a:t>
-              </a:r>
-              <a:r>
-                <a:rPr lang="en-US" sz="2400" dirty="0" smtClean="0">
-                  <a:solidFill>
-                    <a:schemeClr val="bg1"/>
-                  </a:solidFill>
-                  <a:latin typeface="Arial Black" panose="020B0A04020102020204" pitchFamily="34" charset="0"/>
-                </a:rPr>
-                <a:t>ntelligence and </a:t>
-              </a:r>
-              <a:r>
-                <a:rPr lang="en-US" sz="2400" dirty="0" smtClean="0">
-                  <a:solidFill>
-                    <a:srgbClr val="FF0000"/>
-                  </a:solidFill>
-                  <a:latin typeface="Arial Black" panose="020B0A04020102020204" pitchFamily="34" charset="0"/>
-                </a:rPr>
-                <a:t>C</a:t>
-              </a:r>
-              <a:r>
-                <a:rPr lang="en-US" sz="2400" dirty="0" smtClean="0">
-                  <a:solidFill>
-                    <a:schemeClr val="bg1"/>
-                  </a:solidFill>
-                  <a:latin typeface="Arial Black" panose="020B0A04020102020204" pitchFamily="34" charset="0"/>
-                </a:rPr>
-                <a:t>omputer Vision Lab</a:t>
-              </a:r>
-              <a:endParaRPr lang="en-US" sz="2400" dirty="0">
+          <a:prstGeom prst="rect">
+            <a:avLst/>
+          </a:prstGeom>
+        </p:spPr>
+      </p:pic>
+      <p:pic>
+        <p:nvPicPr>
+          <p:cNvPr id="6" name="Picture 5"/>
+          <p:cNvPicPr>
+            <a:picLocks noChangeAspect="1"/>
+          </p:cNvPicPr>
+          <p:nvPr/>
+        </p:nvPicPr>
+        <p:blipFill rotWithShape="1">
+          <a:blip r:embed="rId2">
+            <a:duotone>
+              <a:schemeClr val="accent4">
+                <a:shade val="45000"/>
+                <a:satMod val="135000"/>
+              </a:schemeClr>
+              <a:prstClr val="white"/>
+            </a:duotone>
+            <a:extLst>
+              <a:ext uri="{28A0092B-C50C-407E-A947-70E740481C1C}">
+                <a14:useLocalDpi xmlns:a14="http://schemas.microsoft.com/office/drawing/2010/main" val="0"/>
+              </a:ext>
+            </a:extLst>
+          </a:blip>
+          <a:srcRect l="45291" t="28779" r="5555" b="53831"/>
+          <a:stretch/>
+        </p:blipFill>
+        <p:spPr>
+          <a:xfrm>
+            <a:off x="6228045" y="694740"/>
+            <a:ext cx="3521351" cy="1156906"/>
+          </a:xfrm>
+          <a:prstGeom prst="rect">
+            <a:avLst/>
+          </a:prstGeom>
+        </p:spPr>
+      </p:pic>
+      <p:sp>
+        <p:nvSpPr>
+          <p:cNvPr id="3" name="TextBox 2"/>
+          <p:cNvSpPr txBox="1"/>
+          <p:nvPr/>
+        </p:nvSpPr>
+        <p:spPr>
+          <a:xfrm>
+            <a:off x="6228045" y="1835948"/>
+            <a:ext cx="3842967" cy="1384995"/>
+          </a:xfrm>
+          <a:prstGeom prst="rect">
+            <a:avLst/>
+          </a:prstGeom>
+          <a:noFill/>
+        </p:spPr>
+        <p:txBody>
+          <a:bodyPr wrap="square" rtlCol="0">
+            <a:spAutoFit/>
+          </a:bodyPr>
+          <a:lstStyle/>
+          <a:p>
+            <a:r>
+              <a:rPr lang="en-US" sz="2800" dirty="0" smtClean="0">
+                <a:solidFill>
+                  <a:srgbClr val="FFC000"/>
+                </a:solidFill>
+                <a:latin typeface="Arial" panose="020B0604020202020204" pitchFamily="34" charset="0"/>
+                <a:cs typeface="Arial" panose="020B0604020202020204" pitchFamily="34" charset="0"/>
+              </a:rPr>
+              <a:t>Me</a:t>
+            </a:r>
+            <a:r>
+              <a:rPr lang="en-US" sz="2800" dirty="0" smtClean="0">
                 <a:solidFill>
                   <a:schemeClr val="bg1"/>
                 </a:solidFill>
-                <a:latin typeface="Arial Black" panose="020B0A04020102020204" pitchFamily="34" charset="0"/>
-              </a:endParaRPr>
-            </a:p>
-          </p:txBody>
-        </p:sp>
-      </p:grpSp>
+                <a:latin typeface="Arial" panose="020B0604020202020204" pitchFamily="34" charset="0"/>
+                <a:cs typeface="Arial" panose="020B0604020202020204" pitchFamily="34" charset="0"/>
+              </a:rPr>
+              <a:t>chanical Systems with </a:t>
+            </a:r>
+            <a:r>
+              <a:rPr lang="en-US" sz="2800" dirty="0" smtClean="0">
+                <a:solidFill>
+                  <a:srgbClr val="FFC000"/>
+                </a:solidFill>
+                <a:latin typeface="Arial" panose="020B0604020202020204" pitchFamily="34" charset="0"/>
+                <a:cs typeface="Arial" panose="020B0604020202020204" pitchFamily="34" charset="0"/>
+              </a:rPr>
+              <a:t>I</a:t>
+            </a:r>
+            <a:r>
+              <a:rPr lang="en-US" sz="2800" dirty="0" smtClean="0">
+                <a:solidFill>
+                  <a:schemeClr val="bg1"/>
+                </a:solidFill>
+                <a:latin typeface="Arial" panose="020B0604020202020204" pitchFamily="34" charset="0"/>
+                <a:cs typeface="Arial" panose="020B0604020202020204" pitchFamily="34" charset="0"/>
+              </a:rPr>
+              <a:t>ntelligence and </a:t>
+            </a:r>
+            <a:r>
+              <a:rPr lang="en-US" sz="2800" dirty="0" smtClean="0">
+                <a:solidFill>
+                  <a:srgbClr val="FFC000"/>
+                </a:solidFill>
+                <a:latin typeface="Arial" panose="020B0604020202020204" pitchFamily="34" charset="0"/>
+                <a:cs typeface="Arial" panose="020B0604020202020204" pitchFamily="34" charset="0"/>
+              </a:rPr>
+              <a:t>C</a:t>
+            </a:r>
+            <a:r>
+              <a:rPr lang="en-US" sz="2800" dirty="0" smtClean="0">
+                <a:solidFill>
+                  <a:schemeClr val="bg1"/>
+                </a:solidFill>
+                <a:latin typeface="Arial" panose="020B0604020202020204" pitchFamily="34" charset="0"/>
+                <a:cs typeface="Arial" panose="020B0604020202020204" pitchFamily="34" charset="0"/>
+              </a:rPr>
+              <a:t>omputer Vision Lab</a:t>
+            </a:r>
+            <a:endParaRPr lang="en-US" sz="2800" dirty="0">
+              <a:solidFill>
+                <a:schemeClr val="bg1"/>
+              </a:solidFill>
+              <a:latin typeface="Arial" panose="020B0604020202020204" pitchFamily="34" charset="0"/>
+              <a:cs typeface="Arial" panose="020B0604020202020204" pitchFamily="34" charset="0"/>
+            </a:endParaRPr>
+          </a:p>
+        </p:txBody>
+      </p:sp>
+      <p:pic>
+        <p:nvPicPr>
+          <p:cNvPr id="7" name="Picture 6"/>
+          <p:cNvPicPr>
+            <a:picLocks noChangeAspect="1"/>
+          </p:cNvPicPr>
+          <p:nvPr/>
+        </p:nvPicPr>
+        <p:blipFill rotWithShape="1">
+          <a:blip r:embed="rId2">
+            <a:extLst>
+              <a:ext uri="{28A0092B-C50C-407E-A947-70E740481C1C}">
+                <a14:useLocalDpi xmlns:a14="http://schemas.microsoft.com/office/drawing/2010/main" val="0"/>
+              </a:ext>
+            </a:extLst>
+          </a:blip>
+          <a:srcRect t="27828" r="-646" b="29241"/>
+          <a:stretch/>
+        </p:blipFill>
+        <p:spPr>
+          <a:xfrm>
+            <a:off x="3736227" y="3488708"/>
+            <a:ext cx="5922954" cy="2526395"/>
+          </a:xfrm>
+          <a:prstGeom prst="rect">
+            <a:avLst/>
+          </a:prstGeom>
+        </p:spPr>
+      </p:pic>
     </p:spTree>
     <p:extLst>
       <p:ext uri="{BB962C8B-B14F-4D97-AF65-F5344CB8AC3E}">
